--- a/PRIMER AVANCE PROYECTO FINAL.pptx
+++ b/PRIMER AVANCE PROYECTO FINAL.pptx
@@ -9655,7 +9655,7 @@
         <p:spPr>
           <a:xfrm>
             <a:off x="358141" y="1334876"/>
-            <a:ext cx="8122443" cy="791435"/>
+            <a:ext cx="8122443" cy="554447"/>
           </a:xfrm>
           <a:prstGeom prst="rect">
             <a:avLst/>
@@ -9683,7 +9683,7 @@
                 <a:ea typeface="Times New Roman" panose="02020603050405020304" pitchFamily="18" charset="0"/>
                 <a:cs typeface="Times New Roman" panose="02020603050405020304" pitchFamily="18" charset="0"/>
               </a:rPr>
-              <a:t>En si no existe un sistema visible de gestión como el que estamos desarrollando, sin embargo, decidimos usar como base la compañía Huawei ya que nos da una idea de como se maneja toda la data para llegar a manufacturar un teléfono cada 28,5 segundos. </a:t>
+              <a:t>En si no existe un sistema visible de gestión, sin embargo,  existe el sistema SAP , el cual tiene diferentes ramas de distribución-. </a:t>
             </a:r>
             <a:endParaRPr lang="es-ES" sz="1400" dirty="0">
               <a:effectLst/>
@@ -9694,12 +9694,66 @@
           </a:p>
         </p:txBody>
       </p:sp>
+      <p:sp>
+        <p:nvSpPr>
+          <p:cNvPr id="13" name="CuadroTexto 12">
+            <a:extLst>
+              <a:ext uri="{FF2B5EF4-FFF2-40B4-BE49-F238E27FC236}">
+                <a16:creationId xmlns:a16="http://schemas.microsoft.com/office/drawing/2014/main" id="{83C96E8E-57C2-4313-B430-BA2F334E9E8E}"/>
+              </a:ext>
+            </a:extLst>
+          </p:cNvPr>
+          <p:cNvSpPr txBox="1"/>
+          <p:nvPr/>
+        </p:nvSpPr>
+        <p:spPr>
+          <a:xfrm>
+            <a:off x="3841940" y="2571750"/>
+            <a:ext cx="4912994" cy="1028423"/>
+          </a:xfrm>
+          <a:prstGeom prst="rect">
+            <a:avLst/>
+          </a:prstGeom>
+          <a:noFill/>
+        </p:spPr>
+        <p:txBody>
+          <a:bodyPr wrap="square">
+            <a:spAutoFit/>
+          </a:bodyPr>
+          <a:lstStyle/>
+          <a:p>
+            <a:pPr algn="just">
+              <a:lnSpc>
+                <a:spcPct val="110000"/>
+              </a:lnSpc>
+              <a:spcAft>
+                <a:spcPts val="600"/>
+              </a:spcAft>
+            </a:pPr>
+            <a:r>
+              <a:rPr lang="es-EC" sz="1400" dirty="0">
+                <a:effectLst/>
+                <a:latin typeface="Calibri" panose="020F0502020204030204" pitchFamily="34" charset="0"/>
+                <a:ea typeface="Times New Roman" panose="02020603050405020304" pitchFamily="18" charset="0"/>
+                <a:cs typeface="Times New Roman" panose="02020603050405020304" pitchFamily="18" charset="0"/>
+              </a:rPr>
+              <a:t>Nuestro sistema se encarga de automatizar los procesos de comunicación entre clientes y proveedores, así como la aprobación de los diseños enviados y la manufactura de dichos diseños en nuestras instalaciones, para ayudar a las empresas. </a:t>
+            </a:r>
+            <a:endParaRPr lang="es-ES" sz="1400" dirty="0">
+              <a:effectLst/>
+              <a:latin typeface="Calibri" panose="020F0502020204030204" pitchFamily="34" charset="0"/>
+              <a:ea typeface="Times New Roman" panose="02020603050405020304" pitchFamily="18" charset="0"/>
+              <a:cs typeface="Times New Roman" panose="02020603050405020304" pitchFamily="18" charset="0"/>
+            </a:endParaRPr>
+          </a:p>
+        </p:txBody>
+      </p:sp>
       <p:pic>
         <p:nvPicPr>
-          <p:cNvPr id="1028" name="Picture 4" descr="Huawei Logo – TechnoPoint">
+          <p:cNvPr id="1026" name="Picture 2" descr="Soluciones de Infraestructura Empresarial Impulsadas por Intel y SAP">
             <a:extLst>
               <a:ext uri="{FF2B5EF4-FFF2-40B4-BE49-F238E27FC236}">
-                <a16:creationId xmlns:a16="http://schemas.microsoft.com/office/drawing/2014/main" id="{4B44BCBB-E07B-4D09-8C01-F2E062C93138}"/>
+                <a16:creationId xmlns:a16="http://schemas.microsoft.com/office/drawing/2014/main" id="{1B554257-0273-4878-A22D-CEBBCA9DDA05}"/>
               </a:ext>
             </a:extLst>
           </p:cNvPr>
@@ -9723,8 +9777,8 @@
         </p:blipFill>
         <p:spPr bwMode="auto">
           <a:xfrm>
-            <a:off x="401956" y="2221774"/>
-            <a:ext cx="3057525" cy="1630680"/>
+            <a:off x="171450" y="1934665"/>
+            <a:ext cx="3557588" cy="2639026"/>
           </a:xfrm>
           <a:prstGeom prst="rect">
             <a:avLst/>
@@ -9741,60 +9795,6 @@
           </a:extLst>
         </p:spPr>
       </p:pic>
-      <p:sp>
-        <p:nvSpPr>
-          <p:cNvPr id="13" name="CuadroTexto 12">
-            <a:extLst>
-              <a:ext uri="{FF2B5EF4-FFF2-40B4-BE49-F238E27FC236}">
-                <a16:creationId xmlns:a16="http://schemas.microsoft.com/office/drawing/2014/main" id="{83C96E8E-57C2-4313-B430-BA2F334E9E8E}"/>
-              </a:ext>
-            </a:extLst>
-          </p:cNvPr>
-          <p:cNvSpPr txBox="1"/>
-          <p:nvPr/>
-        </p:nvSpPr>
-        <p:spPr>
-          <a:xfrm>
-            <a:off x="3729038" y="2522902"/>
-            <a:ext cx="4912994" cy="1028423"/>
-          </a:xfrm>
-          <a:prstGeom prst="rect">
-            <a:avLst/>
-          </a:prstGeom>
-          <a:noFill/>
-        </p:spPr>
-        <p:txBody>
-          <a:bodyPr wrap="square">
-            <a:spAutoFit/>
-          </a:bodyPr>
-          <a:lstStyle/>
-          <a:p>
-            <a:pPr algn="just">
-              <a:lnSpc>
-                <a:spcPct val="110000"/>
-              </a:lnSpc>
-              <a:spcAft>
-                <a:spcPts val="600"/>
-              </a:spcAft>
-            </a:pPr>
-            <a:r>
-              <a:rPr lang="es-EC" sz="1400" dirty="0">
-                <a:effectLst/>
-                <a:latin typeface="Calibri" panose="020F0502020204030204" pitchFamily="34" charset="0"/>
-                <a:ea typeface="Times New Roman" panose="02020603050405020304" pitchFamily="18" charset="0"/>
-                <a:cs typeface="Times New Roman" panose="02020603050405020304" pitchFamily="18" charset="0"/>
-              </a:rPr>
-              <a:t>Nuestro sistema se encarga de automatizar los procesos de comunicación entre clientes y proveedores, así como la aprobación de los diseños enviados y la manufactura de dichos diseños en nuestras instalaciones, para ayudar a las empresas. </a:t>
-            </a:r>
-            <a:endParaRPr lang="es-ES" sz="1400" dirty="0">
-              <a:effectLst/>
-              <a:latin typeface="Calibri" panose="020F0502020204030204" pitchFamily="34" charset="0"/>
-              <a:ea typeface="Times New Roman" panose="02020603050405020304" pitchFamily="18" charset="0"/>
-              <a:cs typeface="Times New Roman" panose="02020603050405020304" pitchFamily="18" charset="0"/>
-            </a:endParaRPr>
-          </a:p>
-        </p:txBody>
-      </p:sp>
     </p:spTree>
     <p:extLst>
       <p:ext uri="{BB962C8B-B14F-4D97-AF65-F5344CB8AC3E}">
